--- a/Agro Cane/Pesquisa e Inovação/Sprint 3/METODOLOGIA  AGÍL.pptx
+++ b/Agro Cane/Pesquisa e Inovação/Sprint 3/METODOLOGIA  AGÍL.pptx
@@ -111,6 +111,35 @@
     </p:ext>
   </p:extLst>
 </p:presentation>
+</file>
+
+<file path=ppt/changesInfos/changesInfo1.xml><?xml version="1.0" encoding="utf-8"?>
+<pc:chgInfo xmlns:a="http://schemas.openxmlformats.org/drawingml/2006/main" xmlns:r="http://schemas.openxmlformats.org/officeDocument/2006/relationships" xmlns:ac="http://schemas.microsoft.com/office/drawing/2013/main/command" xmlns:pc="http://schemas.microsoft.com/office/powerpoint/2013/main/command">
+  <pc:docChgLst>
+    <pc:chgData name="Mateus Ferreira" userId="1d8f5d9bad536c26" providerId="LiveId" clId="{2FD93A43-6877-4977-87D5-ECAF15416F48}"/>
+    <pc:docChg chg="modSld">
+      <pc:chgData name="Mateus Ferreira" userId="1d8f5d9bad536c26" providerId="LiveId" clId="{2FD93A43-6877-4977-87D5-ECAF15416F48}" dt="2021-06-16T19:50:26.443" v="2" actId="20577"/>
+      <pc:docMkLst>
+        <pc:docMk/>
+      </pc:docMkLst>
+      <pc:sldChg chg="modSp mod">
+        <pc:chgData name="Mateus Ferreira" userId="1d8f5d9bad536c26" providerId="LiveId" clId="{2FD93A43-6877-4977-87D5-ECAF15416F48}" dt="2021-06-16T19:50:26.443" v="2" actId="20577"/>
+        <pc:sldMkLst>
+          <pc:docMk/>
+          <pc:sldMk cId="2913356567" sldId="256"/>
+        </pc:sldMkLst>
+        <pc:spChg chg="mod">
+          <ac:chgData name="Mateus Ferreira" userId="1d8f5d9bad536c26" providerId="LiveId" clId="{2FD93A43-6877-4977-87D5-ECAF15416F48}" dt="2021-06-16T19:50:26.443" v="2" actId="20577"/>
+          <ac:spMkLst>
+            <pc:docMk/>
+            <pc:sldMk cId="2913356567" sldId="256"/>
+            <ac:spMk id="4" creationId="{567AD410-1C51-4BB6-91BB-22661D7822A9}"/>
+          </ac:spMkLst>
+        </pc:spChg>
+      </pc:sldChg>
+    </pc:docChg>
+  </pc:docChgLst>
+</pc:chgInfo>
 </file>
 
 <file path=ppt/slideLayouts/slideLayout1.xml><?xml version="1.0" encoding="utf-8"?>
@@ -5786,11 +5815,11 @@
             </a:pPr>
             <a:r>
               <a:rPr lang="pt-BR" sz="2400" dirty="0"/>
-              <a:t>Forma rápida de se </a:t>
-            </a:r>
-            <a:r>
-              <a:rPr lang="pt-BR" sz="2400" dirty="0" err="1"/>
-              <a:t>trablhar</a:t>
+              <a:t>Forma rápida de </a:t>
+            </a:r>
+            <a:r>
+              <a:rPr lang="pt-BR" sz="2400"/>
+              <a:t>se trabalhar</a:t>
             </a:r>
             <a:endParaRPr lang="pt-BR" sz="2400" dirty="0"/>
           </a:p>
